--- a/Introduction21032025.pptx
+++ b/Introduction21032025.pptx
@@ -5,15 +5,16 @@
     <p:sldMasterId id="2147483768" r:id="rId1"/>
   </p:sldMasterIdLst>
   <p:notesMasterIdLst>
-    <p:notesMasterId r:id="rId5"/>
+    <p:notesMasterId r:id="rId6"/>
   </p:notesMasterIdLst>
   <p:handoutMasterIdLst>
-    <p:handoutMasterId r:id="rId6"/>
+    <p:handoutMasterId r:id="rId7"/>
   </p:handoutMasterIdLst>
   <p:sldIdLst>
     <p:sldId id="257" r:id="rId2"/>
     <p:sldId id="259" r:id="rId3"/>
     <p:sldId id="260" r:id="rId4"/>
+    <p:sldId id="261" r:id="rId5"/>
   </p:sldIdLst>
   <p:sldSz cx="12192000" cy="6858000"/>
   <p:notesSz cx="6858000" cy="9144000"/>
@@ -191,7 +192,7 @@
           <a:p>
             <a:fld id="{3C11D06C-D5DE-814D-931E-02A0CE659BAA}" type="datetimeFigureOut">
               <a:rPr lang="fi-FI" smtClean="0"/>
-              <a:t>19.3.2025</a:t>
+              <a:t>20.3.2025</a:t>
             </a:fld>
             <a:endParaRPr lang="fi-FI"/>
           </a:p>
@@ -368,7 +369,7 @@
           <a:p>
             <a:fld id="{5CE9BFB5-475C-5B44-BA4D-42DE8089864D}" type="datetimeFigureOut">
               <a:rPr lang="fi-FI" smtClean="0"/>
-              <a:t>19.3.2025</a:t>
+              <a:t>20.3.2025</a:t>
             </a:fld>
             <a:endParaRPr lang="fi-FI"/>
           </a:p>
@@ -1007,7 +1008,7 @@
             <a:fld id="{A90DC808-9B4F-47F6-816E-B4DD926C39FF}" type="datetime1">
               <a:rPr lang="en-GB" noProof="0" smtClean="0"/>
               <a:pPr/>
-              <a:t>19/03/2025</a:t>
+              <a:t>20/03/2025</a:t>
             </a:fld>
             <a:endParaRPr lang="en-GB" noProof="0"/>
           </a:p>
@@ -1320,7 +1321,7 @@
             <a:fld id="{A90DC808-9B4F-47F6-816E-B4DD926C39FF}" type="datetime1">
               <a:rPr lang="en-GB" noProof="0" smtClean="0"/>
               <a:pPr/>
-              <a:t>19/03/2025</a:t>
+              <a:t>20/03/2025</a:t>
             </a:fld>
             <a:endParaRPr lang="en-GB" noProof="0"/>
           </a:p>
@@ -1458,7 +1459,7 @@
             <a:fld id="{A90DC808-9B4F-47F6-816E-B4DD926C39FF}" type="datetime1">
               <a:rPr lang="en-GB" noProof="0" smtClean="0"/>
               <a:pPr/>
-              <a:t>19/03/2025</a:t>
+              <a:t>20/03/2025</a:t>
             </a:fld>
             <a:endParaRPr lang="en-GB" noProof="0"/>
           </a:p>
@@ -1857,7 +1858,7 @@
             <a:fld id="{A90DC808-9B4F-47F6-816E-B4DD926C39FF}" type="datetime1">
               <a:rPr lang="en-GB" noProof="0" smtClean="0"/>
               <a:pPr/>
-              <a:t>19/03/2025</a:t>
+              <a:t>20/03/2025</a:t>
             </a:fld>
             <a:endParaRPr lang="en-GB" noProof="0"/>
           </a:p>
@@ -2057,7 +2058,7 @@
             <a:fld id="{A90DC808-9B4F-47F6-816E-B4DD926C39FF}" type="datetime1">
               <a:rPr lang="en-GB" noProof="0" smtClean="0"/>
               <a:pPr/>
-              <a:t>19/03/2025</a:t>
+              <a:t>20/03/2025</a:t>
             </a:fld>
             <a:endParaRPr lang="en-GB" noProof="0"/>
           </a:p>
@@ -2421,7 +2422,7 @@
             <a:fld id="{A90DC808-9B4F-47F6-816E-B4DD926C39FF}" type="datetime1">
               <a:rPr lang="en-GB" noProof="0" smtClean="0"/>
               <a:pPr/>
-              <a:t>19/03/2025</a:t>
+              <a:t>20/03/2025</a:t>
             </a:fld>
             <a:endParaRPr lang="en-GB" noProof="0"/>
           </a:p>
@@ -2913,7 +2914,7 @@
             <a:fld id="{A90DC808-9B4F-47F6-816E-B4DD926C39FF}" type="datetime1">
               <a:rPr lang="en-GB" noProof="0" smtClean="0"/>
               <a:pPr/>
-              <a:t>19/03/2025</a:t>
+              <a:t>20/03/2025</a:t>
             </a:fld>
             <a:endParaRPr lang="en-GB" noProof="0"/>
           </a:p>
@@ -3139,7 +3140,7 @@
             <a:fld id="{A90DC808-9B4F-47F6-816E-B4DD926C39FF}" type="datetime1">
               <a:rPr lang="en-GB" noProof="0" smtClean="0"/>
               <a:pPr/>
-              <a:t>19/03/2025</a:t>
+              <a:t>20/03/2025</a:t>
             </a:fld>
             <a:endParaRPr lang="en-GB" noProof="0"/>
           </a:p>
@@ -3545,7 +3546,7 @@
             <a:fld id="{A90DC808-9B4F-47F6-816E-B4DD926C39FF}" type="datetime1">
               <a:rPr lang="en-GB" noProof="0" smtClean="0"/>
               <a:pPr/>
-              <a:t>19/03/2025</a:t>
+              <a:t>20/03/2025</a:t>
             </a:fld>
             <a:endParaRPr lang="en-GB" noProof="0"/>
           </a:p>
@@ -3771,7 +3772,7 @@
             <a:fld id="{A90DC808-9B4F-47F6-816E-B4DD926C39FF}" type="datetime1">
               <a:rPr lang="en-GB" noProof="0" smtClean="0"/>
               <a:pPr/>
-              <a:t>19/03/2025</a:t>
+              <a:t>20/03/2025</a:t>
             </a:fld>
             <a:endParaRPr lang="en-GB" noProof="0"/>
           </a:p>
@@ -4159,7 +4160,7 @@
             <a:fld id="{A90DC808-9B4F-47F6-816E-B4DD926C39FF}" type="datetime1">
               <a:rPr lang="en-GB" noProof="0" smtClean="0"/>
               <a:pPr/>
-              <a:t>19/03/2025</a:t>
+              <a:t>20/03/2025</a:t>
             </a:fld>
             <a:endParaRPr lang="en-GB" noProof="0"/>
           </a:p>
@@ -4556,7 +4557,7 @@
             <a:fld id="{A90DC808-9B4F-47F6-816E-B4DD926C39FF}" type="datetime1">
               <a:rPr lang="en-GB" noProof="0" smtClean="0"/>
               <a:pPr/>
-              <a:t>19/03/2025</a:t>
+              <a:t>20/03/2025</a:t>
             </a:fld>
             <a:endParaRPr lang="en-GB" noProof="0"/>
           </a:p>
@@ -4865,7 +4866,7 @@
             <a:fld id="{A90DC808-9B4F-47F6-816E-B4DD926C39FF}" type="datetime1">
               <a:rPr lang="en-GB" noProof="0" smtClean="0"/>
               <a:pPr/>
-              <a:t>19/03/2025</a:t>
+              <a:t>20/03/2025</a:t>
             </a:fld>
             <a:endParaRPr lang="en-GB" noProof="0"/>
           </a:p>
@@ -5322,7 +5323,7 @@
             <a:fld id="{A90DC808-9B4F-47F6-816E-B4DD926C39FF}" type="datetime1">
               <a:rPr lang="en-GB" noProof="0" smtClean="0"/>
               <a:pPr/>
-              <a:t>19/03/2025</a:t>
+              <a:t>20/03/2025</a:t>
             </a:fld>
             <a:endParaRPr lang="en-GB" noProof="0"/>
           </a:p>
@@ -5597,7 +5598,7 @@
             <a:fld id="{A90DC808-9B4F-47F6-816E-B4DD926C39FF}" type="datetime1">
               <a:rPr lang="en-GB" noProof="0" smtClean="0"/>
               <a:pPr/>
-              <a:t>19/03/2025</a:t>
+              <a:t>20/03/2025</a:t>
             </a:fld>
             <a:endParaRPr lang="en-GB" noProof="0"/>
           </a:p>
@@ -6008,7 +6009,7 @@
             <a:fld id="{A90DC808-9B4F-47F6-816E-B4DD926C39FF}" type="datetime1">
               <a:rPr lang="en-GB" noProof="0" smtClean="0"/>
               <a:pPr/>
-              <a:t>19/03/2025</a:t>
+              <a:t>20/03/2025</a:t>
             </a:fld>
             <a:endParaRPr lang="en-GB" noProof="0"/>
           </a:p>
@@ -6326,7 +6327,7 @@
             <a:fld id="{A90DC808-9B4F-47F6-816E-B4DD926C39FF}" type="datetime1">
               <a:rPr lang="en-GB" noProof="0" smtClean="0"/>
               <a:pPr/>
-              <a:t>19/03/2025</a:t>
+              <a:t>20/03/2025</a:t>
             </a:fld>
             <a:endParaRPr lang="en-GB" noProof="0"/>
           </a:p>
@@ -6780,7 +6781,7 @@
             <a:fld id="{A90DC808-9B4F-47F6-816E-B4DD926C39FF}" type="datetime1">
               <a:rPr lang="en-GB" noProof="0" smtClean="0"/>
               <a:pPr/>
-              <a:t>19/03/2025</a:t>
+              <a:t>20/03/2025</a:t>
             </a:fld>
             <a:endParaRPr lang="en-GB" noProof="0"/>
           </a:p>
@@ -7535,7 +7536,7 @@
             <a:fld id="{A90DC808-9B4F-47F6-816E-B4DD926C39FF}" type="datetime1">
               <a:rPr lang="en-GB" noProof="0" smtClean="0"/>
               <a:pPr/>
-              <a:t>19/03/2025</a:t>
+              <a:t>20/03/2025</a:t>
             </a:fld>
             <a:endParaRPr lang="en-GB" noProof="0"/>
           </a:p>
@@ -8165,7 +8166,7 @@
             <a:fld id="{A90DC808-9B4F-47F6-816E-B4DD926C39FF}" type="datetime1">
               <a:rPr lang="en-GB" noProof="0" smtClean="0"/>
               <a:pPr/>
-              <a:t>19/03/2025</a:t>
+              <a:t>20/03/2025</a:t>
             </a:fld>
             <a:endParaRPr lang="en-GB" noProof="0"/>
           </a:p>
@@ -8451,7 +8452,7 @@
             <a:fld id="{A90DC808-9B4F-47F6-816E-B4DD926C39FF}" type="datetime1">
               <a:rPr lang="en-GB" noProof="0" smtClean="0"/>
               <a:pPr/>
-              <a:t>19/03/2025</a:t>
+              <a:t>20/03/2025</a:t>
             </a:fld>
             <a:endParaRPr lang="en-GB" noProof="0"/>
           </a:p>
@@ -8779,7 +8780,7 @@
             <a:fld id="{A90DC808-9B4F-47F6-816E-B4DD926C39FF}" type="datetime1">
               <a:rPr lang="en-GB" noProof="0" smtClean="0"/>
               <a:pPr/>
-              <a:t>19/03/2025</a:t>
+              <a:t>20/03/2025</a:t>
             </a:fld>
             <a:endParaRPr lang="en-GB" noProof="0"/>
           </a:p>
@@ -9163,7 +9164,7 @@
             <a:fld id="{A90DC808-9B4F-47F6-816E-B4DD926C39FF}" type="datetime1">
               <a:rPr lang="en-GB" noProof="0" smtClean="0"/>
               <a:pPr/>
-              <a:t>19/03/2025</a:t>
+              <a:t>20/03/2025</a:t>
             </a:fld>
             <a:endParaRPr lang="en-GB" noProof="0"/>
           </a:p>
@@ -9877,7 +9878,7 @@
             <a:fld id="{A90DC808-9B4F-47F6-816E-B4DD926C39FF}" type="datetime1">
               <a:rPr lang="en-GB" noProof="0" smtClean="0"/>
               <a:pPr/>
-              <a:t>19/03/2025</a:t>
+              <a:t>20/03/2025</a:t>
             </a:fld>
             <a:endParaRPr lang="en-GB" noProof="0" dirty="0"/>
           </a:p>
@@ -10092,7 +10093,7 @@
             <a:fld id="{A90DC808-9B4F-47F6-816E-B4DD926C39FF}" type="datetime1">
               <a:rPr lang="en-GB" noProof="0" smtClean="0"/>
               <a:pPr/>
-              <a:t>19/03/2025</a:t>
+              <a:t>20/03/2025</a:t>
             </a:fld>
             <a:endParaRPr lang="en-GB" noProof="0"/>
           </a:p>
@@ -10622,7 +10623,7 @@
             <a:fld id="{A90DC808-9B4F-47F6-816E-B4DD926C39FF}" type="datetime1">
               <a:rPr lang="en-GB" noProof="0" smtClean="0"/>
               <a:pPr/>
-              <a:t>19/03/2025</a:t>
+              <a:t>20/03/2025</a:t>
             </a:fld>
             <a:endParaRPr lang="en-GB" noProof="0"/>
           </a:p>
@@ -10985,7 +10986,7 @@
             <a:fld id="{A90DC808-9B4F-47F6-816E-B4DD926C39FF}" type="datetime1">
               <a:rPr lang="en-GB" noProof="0" smtClean="0"/>
               <a:pPr/>
-              <a:t>19/03/2025</a:t>
+              <a:t>20/03/2025</a:t>
             </a:fld>
             <a:endParaRPr lang="en-GB" noProof="0"/>
           </a:p>
@@ -11311,7 +11312,7 @@
             <a:fld id="{A90DC808-9B4F-47F6-816E-B4DD926C39FF}" type="datetime1">
               <a:rPr lang="en-GB" noProof="0" smtClean="0"/>
               <a:pPr/>
-              <a:t>19/03/2025</a:t>
+              <a:t>20/03/2025</a:t>
             </a:fld>
             <a:endParaRPr lang="en-GB" noProof="0"/>
           </a:p>
@@ -11767,7 +11768,7 @@
             <a:fld id="{A90DC808-9B4F-47F6-816E-B4DD926C39FF}" type="datetime1">
               <a:rPr lang="en-GB" noProof="0" smtClean="0"/>
               <a:pPr/>
-              <a:t>19/03/2025</a:t>
+              <a:t>20/03/2025</a:t>
             </a:fld>
             <a:endParaRPr lang="en-GB" noProof="0"/>
           </a:p>
@@ -12255,7 +12256,7 @@
             <a:fld id="{A90DC808-9B4F-47F6-816E-B4DD926C39FF}" type="datetime1">
               <a:rPr lang="en-GB" noProof="0" smtClean="0"/>
               <a:pPr/>
-              <a:t>19/03/2025</a:t>
+              <a:t>20/03/2025</a:t>
             </a:fld>
             <a:endParaRPr lang="en-GB" noProof="0"/>
           </a:p>
@@ -12859,7 +12860,7 @@
             <a:fld id="{A90DC808-9B4F-47F6-816E-B4DD926C39FF}" type="datetime1">
               <a:rPr lang="en-GB" noProof="0" smtClean="0"/>
               <a:pPr/>
-              <a:t>19/03/2025</a:t>
+              <a:t>20/03/2025</a:t>
             </a:fld>
             <a:endParaRPr lang="en-GB" noProof="0"/>
           </a:p>
@@ -13057,7 +13058,7 @@
             <a:fld id="{A90DC808-9B4F-47F6-816E-B4DD926C39FF}" type="datetime1">
               <a:rPr lang="en-GB" noProof="0" smtClean="0"/>
               <a:pPr/>
-              <a:t>19/03/2025</a:t>
+              <a:t>20/03/2025</a:t>
             </a:fld>
             <a:endParaRPr lang="en-GB" noProof="0"/>
           </a:p>
@@ -13772,7 +13773,7 @@
             <a:fld id="{A90DC808-9B4F-47F6-816E-B4DD926C39FF}" type="datetime1">
               <a:rPr lang="en-GB" noProof="0" smtClean="0"/>
               <a:pPr/>
-              <a:t>19/03/2025</a:t>
+              <a:t>20/03/2025</a:t>
             </a:fld>
             <a:endParaRPr lang="en-GB" noProof="0"/>
           </a:p>
@@ -13903,13 +13904,13 @@
         </p:nvSpPr>
         <p:spPr>
           <a:xfrm>
-            <a:off x="410400" y="1825625"/>
-            <a:ext cx="5181600" cy="4351338"/>
+            <a:off x="410400" y="1825624"/>
+            <a:ext cx="5181600" cy="4664075"/>
           </a:xfrm>
         </p:spPr>
         <p:txBody>
           <a:bodyPr>
-            <a:normAutofit/>
+            <a:normAutofit fontScale="92500" lnSpcReduction="10000"/>
           </a:bodyPr>
           <a:lstStyle/>
           <a:p>
@@ -13941,6 +13942,10 @@
             </a:r>
           </a:p>
           <a:p>
+            <a:r>
+              <a:rPr lang="en-GB"/>
+              <a:t>The “state” in the title is the amount of soot and ash in the DPF</a:t>
+            </a:r>
             <a:endParaRPr lang="en-GB" dirty="0"/>
           </a:p>
         </p:txBody>
@@ -14015,7 +14020,7 @@
                   <a:spcPts val="600"/>
                 </a:spcAft>
               </a:pPr>
-              <a:t>19/03/2025</a:t>
+              <a:t>20/03/2025</a:t>
             </a:fld>
             <a:endParaRPr lang="en-GB" noProof="0"/>
           </a:p>
@@ -14086,9 +14091,9 @@
         <p:grpSpPr>
           <a:xfrm>
             <a:off x="5958759" y="2669883"/>
-            <a:ext cx="5926212" cy="2662821"/>
+            <a:ext cx="5926212" cy="2755154"/>
             <a:chOff x="5979025" y="3144137"/>
-            <a:chExt cx="5926212" cy="2662821"/>
+            <a:chExt cx="5926212" cy="2755154"/>
           </a:xfrm>
         </p:grpSpPr>
         <p:pic>
@@ -14137,7 +14142,7 @@
           <p:spPr>
             <a:xfrm>
               <a:off x="5979025" y="4883628"/>
-              <a:ext cx="5926212" cy="923330"/>
+              <a:ext cx="5926212" cy="1015663"/>
             </a:xfrm>
             <a:prstGeom prst="rect">
               <a:avLst/>
@@ -14152,7 +14157,7 @@
             <a:p>
               <a:pPr algn="ctr"/>
               <a:r>
-                <a:rPr lang="en-FI" dirty="0"/>
+                <a:rPr lang="en-FI" sz="2000" dirty="0"/>
                 <a:t>A schematic of a wall-flow DPF. The walls capture &gt;90% of the particulate matter when the exhaust gas flows through them.</a:t>
               </a:r>
             </a:p>
@@ -14215,6 +14220,10 @@
           <a:bodyPr/>
           <a:lstStyle/>
           <a:p>
+            <a:r>
+              <a:rPr lang="fi-FI"/>
+              <a:t>What is the thesis about</a:t>
+            </a:r>
             <a:endParaRPr lang="en-US"/>
           </a:p>
         </p:txBody>
@@ -14245,6 +14254,42 @@
           <a:bodyPr/>
           <a:lstStyle/>
           <a:p>
+            <a:r>
+              <a:rPr lang="fi-FI"/>
+              <a:t>Motivation: a need to estimate the accumulated soot and ash reliably.</a:t>
+            </a:r>
+          </a:p>
+          <a:p>
+            <a:r>
+              <a:rPr lang="fi-FI"/>
+              <a:t>We have models and measurements to estimate the state </a:t>
+            </a:r>
+            <a:r>
+              <a:rPr lang="fi-FI">
+                <a:sym typeface="Wingdings" panose="05000000000000000000" pitchFamily="2" charset="2"/>
+              </a:rPr>
+              <a:t> a lot of </a:t>
+            </a:r>
+            <a:r>
+              <a:rPr lang="fi-FI" u="sng">
+                <a:sym typeface="Wingdings" panose="05000000000000000000" pitchFamily="2" charset="2"/>
+              </a:rPr>
+              <a:t>uncertanties</a:t>
+            </a:r>
+            <a:r>
+              <a:rPr lang="fi-FI">
+                <a:sym typeface="Wingdings" panose="05000000000000000000" pitchFamily="2" charset="2"/>
+              </a:rPr>
+              <a:t>.</a:t>
+            </a:r>
+          </a:p>
+          <a:p>
+            <a:r>
+              <a:rPr lang="fi-FI">
+                <a:sym typeface="Wingdings" panose="05000000000000000000" pitchFamily="2" charset="2"/>
+              </a:rPr>
+              <a:t>More reliable tools are needed  Bayesian filtering (Kalman-filter etc.) will be applied to estimate the state.</a:t>
+            </a:r>
             <a:endParaRPr lang="en-US"/>
           </a:p>
         </p:txBody>
@@ -14319,7 +14364,7 @@
                   <a:spcPts val="600"/>
                 </a:spcAft>
               </a:pPr>
-              <a:t>19/03/2025</a:t>
+              <a:t>20/03/2025</a:t>
             </a:fld>
             <a:endParaRPr lang="en-GB" noProof="0"/>
           </a:p>
@@ -14379,6 +14424,276 @@
     <p:extLst>
       <p:ext uri="{BB962C8B-B14F-4D97-AF65-F5344CB8AC3E}">
         <p14:creationId xmlns:p14="http://schemas.microsoft.com/office/powerpoint/2010/main" val="716059488"/>
+      </p:ext>
+    </p:extLst>
+  </p:cSld>
+  <p:clrMapOvr>
+    <a:masterClrMapping/>
+  </p:clrMapOvr>
+</p:sld>
+</file>
+
+<file path=ppt/slides/slide4.xml><?xml version="1.0" encoding="utf-8"?>
+<p:sld xmlns:a="http://schemas.openxmlformats.org/drawingml/2006/main" xmlns:r="http://schemas.openxmlformats.org/officeDocument/2006/relationships" xmlns:p="http://schemas.openxmlformats.org/presentationml/2006/main">
+  <p:cSld>
+    <p:spTree>
+      <p:nvGrpSpPr>
+        <p:cNvPr id="1" name=""/>
+        <p:cNvGrpSpPr/>
+        <p:nvPr/>
+      </p:nvGrpSpPr>
+      <p:grpSpPr>
+        <a:xfrm>
+          <a:off x="0" y="0"/>
+          <a:ext cx="0" cy="0"/>
+          <a:chOff x="0" y="0"/>
+          <a:chExt cx="0" cy="0"/>
+        </a:xfrm>
+      </p:grpSpPr>
+      <p:sp>
+        <p:nvSpPr>
+          <p:cNvPr id="2" name="Title 1">
+            <a:extLst>
+              <a:ext uri="{FF2B5EF4-FFF2-40B4-BE49-F238E27FC236}">
+                <a16:creationId xmlns:a16="http://schemas.microsoft.com/office/drawing/2014/main" id="{44028399-C1CA-C9D2-69D7-AC4E6552ACC5}"/>
+              </a:ext>
+            </a:extLst>
+          </p:cNvPr>
+          <p:cNvSpPr>
+            <a:spLocks noGrp="1"/>
+          </p:cNvSpPr>
+          <p:nvPr>
+            <p:ph type="title"/>
+          </p:nvPr>
+        </p:nvSpPr>
+        <p:spPr/>
+        <p:txBody>
+          <a:bodyPr/>
+          <a:lstStyle/>
+          <a:p>
+            <a:r>
+              <a:rPr lang="fi-FI"/>
+              <a:t>Table of contents (so far)</a:t>
+            </a:r>
+            <a:endParaRPr lang="en-US"/>
+          </a:p>
+        </p:txBody>
+      </p:sp>
+      <p:sp>
+        <p:nvSpPr>
+          <p:cNvPr id="3" name="Content Placeholder 2">
+            <a:extLst>
+              <a:ext uri="{FF2B5EF4-FFF2-40B4-BE49-F238E27FC236}">
+                <a16:creationId xmlns:a16="http://schemas.microsoft.com/office/drawing/2014/main" id="{2E6AAEED-D885-E8D0-D97B-DEE84CBAA721}"/>
+              </a:ext>
+            </a:extLst>
+          </p:cNvPr>
+          <p:cNvSpPr>
+            <a:spLocks noGrp="1"/>
+          </p:cNvSpPr>
+          <p:nvPr>
+            <p:ph idx="1"/>
+          </p:nvPr>
+        </p:nvSpPr>
+        <p:spPr/>
+        <p:txBody>
+          <a:bodyPr/>
+          <a:lstStyle/>
+          <a:p>
+            <a:pPr marL="514350" indent="-514350">
+              <a:buFont typeface="+mj-lt"/>
+              <a:buAutoNum type="arabicPeriod"/>
+            </a:pPr>
+            <a:r>
+              <a:rPr lang="fi-FI" sz="2800"/>
+              <a:t>Introduction</a:t>
+            </a:r>
+          </a:p>
+          <a:p>
+            <a:pPr marL="514350" indent="-514350">
+              <a:buFont typeface="+mj-lt"/>
+              <a:buAutoNum type="arabicPeriod"/>
+            </a:pPr>
+            <a:r>
+              <a:rPr lang="fi-FI" sz="2800"/>
+              <a:t>The Diesel Particulate Filter</a:t>
+            </a:r>
+          </a:p>
+          <a:p>
+            <a:pPr marL="822325" lvl="1" indent="-514350">
+              <a:buFont typeface="+mj-lt"/>
+              <a:buAutoNum type="arabicPeriod"/>
+            </a:pPr>
+            <a:r>
+              <a:rPr lang="fi-FI" sz="2400"/>
+              <a:t>The Physical Structure of the System</a:t>
+            </a:r>
+          </a:p>
+          <a:p>
+            <a:pPr marL="822325" lvl="1" indent="-514350">
+              <a:buFont typeface="+mj-lt"/>
+              <a:buAutoNum type="arabicPeriod"/>
+            </a:pPr>
+            <a:r>
+              <a:rPr lang="fi-FI" sz="2400"/>
+              <a:t>Regeneration</a:t>
+            </a:r>
+          </a:p>
+          <a:p>
+            <a:pPr marL="822325" lvl="1" indent="-514350">
+              <a:buFont typeface="+mj-lt"/>
+              <a:buAutoNum type="arabicPeriod"/>
+            </a:pPr>
+            <a:r>
+              <a:rPr lang="en-US" sz="2400"/>
+              <a:t>Modeling the Pressure Drop</a:t>
+            </a:r>
+          </a:p>
+          <a:p>
+            <a:pPr marL="514350" indent="-514350">
+              <a:buFont typeface="+mj-lt"/>
+              <a:buAutoNum type="arabicPeriod"/>
+            </a:pPr>
+            <a:r>
+              <a:rPr lang="en-US" sz="2800"/>
+              <a:t>State-estimation</a:t>
+            </a:r>
+          </a:p>
+          <a:p>
+            <a:pPr marL="822325" lvl="1" indent="-514350">
+              <a:buFont typeface="+mj-lt"/>
+              <a:buAutoNum type="arabicPeriod"/>
+            </a:pPr>
+            <a:r>
+              <a:rPr lang="en-US" sz="2400"/>
+              <a:t>Kalman-filter</a:t>
+            </a:r>
+          </a:p>
+          <a:p>
+            <a:pPr marL="514350" indent="-514350">
+              <a:buFont typeface="+mj-lt"/>
+              <a:buAutoNum type="arabicPeriod"/>
+            </a:pPr>
+            <a:r>
+              <a:rPr lang="en-US" sz="2800"/>
+              <a:t>Estimating the State of a DPF</a:t>
+            </a:r>
+          </a:p>
+          <a:p>
+            <a:pPr marL="514350" indent="-514350">
+              <a:buFont typeface="+mj-lt"/>
+              <a:buAutoNum type="arabicPeriod"/>
+            </a:pPr>
+            <a:r>
+              <a:rPr lang="en-US" sz="2800"/>
+              <a:t>Results</a:t>
+            </a:r>
+          </a:p>
+          <a:p>
+            <a:pPr marL="514350" indent="-514350">
+              <a:buFont typeface="+mj-lt"/>
+              <a:buAutoNum type="arabicPeriod"/>
+            </a:pPr>
+            <a:r>
+              <a:rPr lang="en-US" sz="2800"/>
+              <a:t>Conclusions</a:t>
+            </a:r>
+          </a:p>
+        </p:txBody>
+      </p:sp>
+      <p:sp>
+        <p:nvSpPr>
+          <p:cNvPr id="4" name="Footer Placeholder 3">
+            <a:extLst>
+              <a:ext uri="{FF2B5EF4-FFF2-40B4-BE49-F238E27FC236}">
+                <a16:creationId xmlns:a16="http://schemas.microsoft.com/office/drawing/2014/main" id="{BC11ED19-DC37-0620-96AF-350483400A54}"/>
+              </a:ext>
+            </a:extLst>
+          </p:cNvPr>
+          <p:cNvSpPr>
+            <a:spLocks noGrp="1"/>
+          </p:cNvSpPr>
+          <p:nvPr>
+            <p:ph type="ftr" sz="quarter" idx="3"/>
+          </p:nvPr>
+        </p:nvSpPr>
+        <p:spPr/>
+        <p:txBody>
+          <a:bodyPr/>
+          <a:lstStyle/>
+          <a:p>
+            <a:endParaRPr lang="en-GB" noProof="0"/>
+          </a:p>
+        </p:txBody>
+      </p:sp>
+      <p:sp>
+        <p:nvSpPr>
+          <p:cNvPr id="5" name="Date Placeholder 4">
+            <a:extLst>
+              <a:ext uri="{FF2B5EF4-FFF2-40B4-BE49-F238E27FC236}">
+                <a16:creationId xmlns:a16="http://schemas.microsoft.com/office/drawing/2014/main" id="{41E67AE3-6995-8429-E875-F83AB730BB5E}"/>
+              </a:ext>
+            </a:extLst>
+          </p:cNvPr>
+          <p:cNvSpPr>
+            <a:spLocks noGrp="1"/>
+          </p:cNvSpPr>
+          <p:nvPr>
+            <p:ph type="dt" sz="half" idx="2"/>
+          </p:nvPr>
+        </p:nvSpPr>
+        <p:spPr/>
+        <p:txBody>
+          <a:bodyPr/>
+          <a:lstStyle/>
+          <a:p>
+            <a:fld id="{A90DC808-9B4F-47F6-816E-B4DD926C39FF}" type="datetime1">
+              <a:rPr lang="en-GB" noProof="0" smtClean="0"/>
+              <a:pPr/>
+              <a:t>20/03/2025</a:t>
+            </a:fld>
+            <a:endParaRPr lang="en-GB" noProof="0"/>
+          </a:p>
+        </p:txBody>
+      </p:sp>
+      <p:sp>
+        <p:nvSpPr>
+          <p:cNvPr id="6" name="Slide Number Placeholder 5">
+            <a:extLst>
+              <a:ext uri="{FF2B5EF4-FFF2-40B4-BE49-F238E27FC236}">
+                <a16:creationId xmlns:a16="http://schemas.microsoft.com/office/drawing/2014/main" id="{16D273AC-5F7A-1489-A8D4-AB8D065AE4F7}"/>
+              </a:ext>
+            </a:extLst>
+          </p:cNvPr>
+          <p:cNvSpPr>
+            <a:spLocks noGrp="1"/>
+          </p:cNvSpPr>
+          <p:nvPr>
+            <p:ph type="sldNum" sz="quarter" idx="4"/>
+          </p:nvPr>
+        </p:nvSpPr>
+        <p:spPr/>
+        <p:txBody>
+          <a:bodyPr/>
+          <a:lstStyle/>
+          <a:p>
+            <a:r>
+              <a:rPr lang="en-GB" noProof="0"/>
+              <a:t>|  </a:t>
+            </a:r>
+            <a:fld id="{CDC8994D-33BE-6F4B-918B-78B2D731EB1C}" type="slidenum">
+              <a:rPr lang="en-GB" noProof="0" smtClean="0"/>
+              <a:pPr/>
+              <a:t>4</a:t>
+            </a:fld>
+            <a:endParaRPr lang="en-GB" noProof="0"/>
+          </a:p>
+        </p:txBody>
+      </p:sp>
+    </p:spTree>
+    <p:extLst>
+      <p:ext uri="{BB962C8B-B14F-4D97-AF65-F5344CB8AC3E}">
+        <p14:creationId xmlns:p14="http://schemas.microsoft.com/office/powerpoint/2010/main" val="1319923167"/>
       </p:ext>
     </p:extLst>
   </p:cSld>

--- a/Introduction21032025.pptx
+++ b/Introduction21032025.pptx
@@ -5,16 +5,18 @@
     <p:sldMasterId id="2147483768" r:id="rId1"/>
   </p:sldMasterIdLst>
   <p:notesMasterIdLst>
-    <p:notesMasterId r:id="rId6"/>
+    <p:notesMasterId r:id="rId8"/>
   </p:notesMasterIdLst>
   <p:handoutMasterIdLst>
-    <p:handoutMasterId r:id="rId7"/>
+    <p:handoutMasterId r:id="rId9"/>
   </p:handoutMasterIdLst>
   <p:sldIdLst>
     <p:sldId id="257" r:id="rId2"/>
     <p:sldId id="259" r:id="rId3"/>
     <p:sldId id="260" r:id="rId4"/>
     <p:sldId id="261" r:id="rId5"/>
+    <p:sldId id="262" r:id="rId6"/>
+    <p:sldId id="263" r:id="rId7"/>
   </p:sldIdLst>
   <p:sldSz cx="12192000" cy="6858000"/>
   <p:notesSz cx="6858000" cy="9144000"/>
@@ -192,7 +194,7 @@
           <a:p>
             <a:fld id="{3C11D06C-D5DE-814D-931E-02A0CE659BAA}" type="datetimeFigureOut">
               <a:rPr lang="fi-FI" smtClean="0"/>
-              <a:t>20.3.2025</a:t>
+              <a:t>21.3.2025</a:t>
             </a:fld>
             <a:endParaRPr lang="fi-FI"/>
           </a:p>
@@ -369,7 +371,7 @@
           <a:p>
             <a:fld id="{5CE9BFB5-475C-5B44-BA4D-42DE8089864D}" type="datetimeFigureOut">
               <a:rPr lang="fi-FI" smtClean="0"/>
-              <a:t>20.3.2025</a:t>
+              <a:t>21.3.2025</a:t>
             </a:fld>
             <a:endParaRPr lang="fi-FI"/>
           </a:p>
@@ -1008,7 +1010,7 @@
             <a:fld id="{A90DC808-9B4F-47F6-816E-B4DD926C39FF}" type="datetime1">
               <a:rPr lang="en-GB" noProof="0" smtClean="0"/>
               <a:pPr/>
-              <a:t>20/03/2025</a:t>
+              <a:t>21/03/2025</a:t>
             </a:fld>
             <a:endParaRPr lang="en-GB" noProof="0"/>
           </a:p>
@@ -1321,7 +1323,7 @@
             <a:fld id="{A90DC808-9B4F-47F6-816E-B4DD926C39FF}" type="datetime1">
               <a:rPr lang="en-GB" noProof="0" smtClean="0"/>
               <a:pPr/>
-              <a:t>20/03/2025</a:t>
+              <a:t>21/03/2025</a:t>
             </a:fld>
             <a:endParaRPr lang="en-GB" noProof="0"/>
           </a:p>
@@ -1459,7 +1461,7 @@
             <a:fld id="{A90DC808-9B4F-47F6-816E-B4DD926C39FF}" type="datetime1">
               <a:rPr lang="en-GB" noProof="0" smtClean="0"/>
               <a:pPr/>
-              <a:t>20/03/2025</a:t>
+              <a:t>21/03/2025</a:t>
             </a:fld>
             <a:endParaRPr lang="en-GB" noProof="0"/>
           </a:p>
@@ -1858,7 +1860,7 @@
             <a:fld id="{A90DC808-9B4F-47F6-816E-B4DD926C39FF}" type="datetime1">
               <a:rPr lang="en-GB" noProof="0" smtClean="0"/>
               <a:pPr/>
-              <a:t>20/03/2025</a:t>
+              <a:t>21/03/2025</a:t>
             </a:fld>
             <a:endParaRPr lang="en-GB" noProof="0"/>
           </a:p>
@@ -2058,7 +2060,7 @@
             <a:fld id="{A90DC808-9B4F-47F6-816E-B4DD926C39FF}" type="datetime1">
               <a:rPr lang="en-GB" noProof="0" smtClean="0"/>
               <a:pPr/>
-              <a:t>20/03/2025</a:t>
+              <a:t>21/03/2025</a:t>
             </a:fld>
             <a:endParaRPr lang="en-GB" noProof="0"/>
           </a:p>
@@ -2422,7 +2424,7 @@
             <a:fld id="{A90DC808-9B4F-47F6-816E-B4DD926C39FF}" type="datetime1">
               <a:rPr lang="en-GB" noProof="0" smtClean="0"/>
               <a:pPr/>
-              <a:t>20/03/2025</a:t>
+              <a:t>21/03/2025</a:t>
             </a:fld>
             <a:endParaRPr lang="en-GB" noProof="0"/>
           </a:p>
@@ -2914,7 +2916,7 @@
             <a:fld id="{A90DC808-9B4F-47F6-816E-B4DD926C39FF}" type="datetime1">
               <a:rPr lang="en-GB" noProof="0" smtClean="0"/>
               <a:pPr/>
-              <a:t>20/03/2025</a:t>
+              <a:t>21/03/2025</a:t>
             </a:fld>
             <a:endParaRPr lang="en-GB" noProof="0"/>
           </a:p>
@@ -3140,7 +3142,7 @@
             <a:fld id="{A90DC808-9B4F-47F6-816E-B4DD926C39FF}" type="datetime1">
               <a:rPr lang="en-GB" noProof="0" smtClean="0"/>
               <a:pPr/>
-              <a:t>20/03/2025</a:t>
+              <a:t>21/03/2025</a:t>
             </a:fld>
             <a:endParaRPr lang="en-GB" noProof="0"/>
           </a:p>
@@ -3546,7 +3548,7 @@
             <a:fld id="{A90DC808-9B4F-47F6-816E-B4DD926C39FF}" type="datetime1">
               <a:rPr lang="en-GB" noProof="0" smtClean="0"/>
               <a:pPr/>
-              <a:t>20/03/2025</a:t>
+              <a:t>21/03/2025</a:t>
             </a:fld>
             <a:endParaRPr lang="en-GB" noProof="0"/>
           </a:p>
@@ -3772,7 +3774,7 @@
             <a:fld id="{A90DC808-9B4F-47F6-816E-B4DD926C39FF}" type="datetime1">
               <a:rPr lang="en-GB" noProof="0" smtClean="0"/>
               <a:pPr/>
-              <a:t>20/03/2025</a:t>
+              <a:t>21/03/2025</a:t>
             </a:fld>
             <a:endParaRPr lang="en-GB" noProof="0"/>
           </a:p>
@@ -4160,7 +4162,7 @@
             <a:fld id="{A90DC808-9B4F-47F6-816E-B4DD926C39FF}" type="datetime1">
               <a:rPr lang="en-GB" noProof="0" smtClean="0"/>
               <a:pPr/>
-              <a:t>20/03/2025</a:t>
+              <a:t>21/03/2025</a:t>
             </a:fld>
             <a:endParaRPr lang="en-GB" noProof="0"/>
           </a:p>
@@ -4557,7 +4559,7 @@
             <a:fld id="{A90DC808-9B4F-47F6-816E-B4DD926C39FF}" type="datetime1">
               <a:rPr lang="en-GB" noProof="0" smtClean="0"/>
               <a:pPr/>
-              <a:t>20/03/2025</a:t>
+              <a:t>21/03/2025</a:t>
             </a:fld>
             <a:endParaRPr lang="en-GB" noProof="0"/>
           </a:p>
@@ -4866,7 +4868,7 @@
             <a:fld id="{A90DC808-9B4F-47F6-816E-B4DD926C39FF}" type="datetime1">
               <a:rPr lang="en-GB" noProof="0" smtClean="0"/>
               <a:pPr/>
-              <a:t>20/03/2025</a:t>
+              <a:t>21/03/2025</a:t>
             </a:fld>
             <a:endParaRPr lang="en-GB" noProof="0"/>
           </a:p>
@@ -5323,7 +5325,7 @@
             <a:fld id="{A90DC808-9B4F-47F6-816E-B4DD926C39FF}" type="datetime1">
               <a:rPr lang="en-GB" noProof="0" smtClean="0"/>
               <a:pPr/>
-              <a:t>20/03/2025</a:t>
+              <a:t>21/03/2025</a:t>
             </a:fld>
             <a:endParaRPr lang="en-GB" noProof="0"/>
           </a:p>
@@ -5598,7 +5600,7 @@
             <a:fld id="{A90DC808-9B4F-47F6-816E-B4DD926C39FF}" type="datetime1">
               <a:rPr lang="en-GB" noProof="0" smtClean="0"/>
               <a:pPr/>
-              <a:t>20/03/2025</a:t>
+              <a:t>21/03/2025</a:t>
             </a:fld>
             <a:endParaRPr lang="en-GB" noProof="0"/>
           </a:p>
@@ -6009,7 +6011,7 @@
             <a:fld id="{A90DC808-9B4F-47F6-816E-B4DD926C39FF}" type="datetime1">
               <a:rPr lang="en-GB" noProof="0" smtClean="0"/>
               <a:pPr/>
-              <a:t>20/03/2025</a:t>
+              <a:t>21/03/2025</a:t>
             </a:fld>
             <a:endParaRPr lang="en-GB" noProof="0"/>
           </a:p>
@@ -6327,7 +6329,7 @@
             <a:fld id="{A90DC808-9B4F-47F6-816E-B4DD926C39FF}" type="datetime1">
               <a:rPr lang="en-GB" noProof="0" smtClean="0"/>
               <a:pPr/>
-              <a:t>20/03/2025</a:t>
+              <a:t>21/03/2025</a:t>
             </a:fld>
             <a:endParaRPr lang="en-GB" noProof="0"/>
           </a:p>
@@ -6781,7 +6783,7 @@
             <a:fld id="{A90DC808-9B4F-47F6-816E-B4DD926C39FF}" type="datetime1">
               <a:rPr lang="en-GB" noProof="0" smtClean="0"/>
               <a:pPr/>
-              <a:t>20/03/2025</a:t>
+              <a:t>21/03/2025</a:t>
             </a:fld>
             <a:endParaRPr lang="en-GB" noProof="0"/>
           </a:p>
@@ -7536,7 +7538,7 @@
             <a:fld id="{A90DC808-9B4F-47F6-816E-B4DD926C39FF}" type="datetime1">
               <a:rPr lang="en-GB" noProof="0" smtClean="0"/>
               <a:pPr/>
-              <a:t>20/03/2025</a:t>
+              <a:t>21/03/2025</a:t>
             </a:fld>
             <a:endParaRPr lang="en-GB" noProof="0"/>
           </a:p>
@@ -8166,7 +8168,7 @@
             <a:fld id="{A90DC808-9B4F-47F6-816E-B4DD926C39FF}" type="datetime1">
               <a:rPr lang="en-GB" noProof="0" smtClean="0"/>
               <a:pPr/>
-              <a:t>20/03/2025</a:t>
+              <a:t>21/03/2025</a:t>
             </a:fld>
             <a:endParaRPr lang="en-GB" noProof="0"/>
           </a:p>
@@ -8452,7 +8454,7 @@
             <a:fld id="{A90DC808-9B4F-47F6-816E-B4DD926C39FF}" type="datetime1">
               <a:rPr lang="en-GB" noProof="0" smtClean="0"/>
               <a:pPr/>
-              <a:t>20/03/2025</a:t>
+              <a:t>21/03/2025</a:t>
             </a:fld>
             <a:endParaRPr lang="en-GB" noProof="0"/>
           </a:p>
@@ -8780,7 +8782,7 @@
             <a:fld id="{A90DC808-9B4F-47F6-816E-B4DD926C39FF}" type="datetime1">
               <a:rPr lang="en-GB" noProof="0" smtClean="0"/>
               <a:pPr/>
-              <a:t>20/03/2025</a:t>
+              <a:t>21/03/2025</a:t>
             </a:fld>
             <a:endParaRPr lang="en-GB" noProof="0"/>
           </a:p>
@@ -9164,7 +9166,7 @@
             <a:fld id="{A90DC808-9B4F-47F6-816E-B4DD926C39FF}" type="datetime1">
               <a:rPr lang="en-GB" noProof="0" smtClean="0"/>
               <a:pPr/>
-              <a:t>20/03/2025</a:t>
+              <a:t>21/03/2025</a:t>
             </a:fld>
             <a:endParaRPr lang="en-GB" noProof="0"/>
           </a:p>
@@ -9878,7 +9880,7 @@
             <a:fld id="{A90DC808-9B4F-47F6-816E-B4DD926C39FF}" type="datetime1">
               <a:rPr lang="en-GB" noProof="0" smtClean="0"/>
               <a:pPr/>
-              <a:t>20/03/2025</a:t>
+              <a:t>21/03/2025</a:t>
             </a:fld>
             <a:endParaRPr lang="en-GB" noProof="0" dirty="0"/>
           </a:p>
@@ -10093,7 +10095,7 @@
             <a:fld id="{A90DC808-9B4F-47F6-816E-B4DD926C39FF}" type="datetime1">
               <a:rPr lang="en-GB" noProof="0" smtClean="0"/>
               <a:pPr/>
-              <a:t>20/03/2025</a:t>
+              <a:t>21/03/2025</a:t>
             </a:fld>
             <a:endParaRPr lang="en-GB" noProof="0"/>
           </a:p>
@@ -10623,7 +10625,7 @@
             <a:fld id="{A90DC808-9B4F-47F6-816E-B4DD926C39FF}" type="datetime1">
               <a:rPr lang="en-GB" noProof="0" smtClean="0"/>
               <a:pPr/>
-              <a:t>20/03/2025</a:t>
+              <a:t>21/03/2025</a:t>
             </a:fld>
             <a:endParaRPr lang="en-GB" noProof="0"/>
           </a:p>
@@ -10986,7 +10988,7 @@
             <a:fld id="{A90DC808-9B4F-47F6-816E-B4DD926C39FF}" type="datetime1">
               <a:rPr lang="en-GB" noProof="0" smtClean="0"/>
               <a:pPr/>
-              <a:t>20/03/2025</a:t>
+              <a:t>21/03/2025</a:t>
             </a:fld>
             <a:endParaRPr lang="en-GB" noProof="0"/>
           </a:p>
@@ -11312,7 +11314,7 @@
             <a:fld id="{A90DC808-9B4F-47F6-816E-B4DD926C39FF}" type="datetime1">
               <a:rPr lang="en-GB" noProof="0" smtClean="0"/>
               <a:pPr/>
-              <a:t>20/03/2025</a:t>
+              <a:t>21/03/2025</a:t>
             </a:fld>
             <a:endParaRPr lang="en-GB" noProof="0"/>
           </a:p>
@@ -11768,7 +11770,7 @@
             <a:fld id="{A90DC808-9B4F-47F6-816E-B4DD926C39FF}" type="datetime1">
               <a:rPr lang="en-GB" noProof="0" smtClean="0"/>
               <a:pPr/>
-              <a:t>20/03/2025</a:t>
+              <a:t>21/03/2025</a:t>
             </a:fld>
             <a:endParaRPr lang="en-GB" noProof="0"/>
           </a:p>
@@ -12256,7 +12258,7 @@
             <a:fld id="{A90DC808-9B4F-47F6-816E-B4DD926C39FF}" type="datetime1">
               <a:rPr lang="en-GB" noProof="0" smtClean="0"/>
               <a:pPr/>
-              <a:t>20/03/2025</a:t>
+              <a:t>21/03/2025</a:t>
             </a:fld>
             <a:endParaRPr lang="en-GB" noProof="0"/>
           </a:p>
@@ -12860,7 +12862,7 @@
             <a:fld id="{A90DC808-9B4F-47F6-816E-B4DD926C39FF}" type="datetime1">
               <a:rPr lang="en-GB" noProof="0" smtClean="0"/>
               <a:pPr/>
-              <a:t>20/03/2025</a:t>
+              <a:t>21/03/2025</a:t>
             </a:fld>
             <a:endParaRPr lang="en-GB" noProof="0"/>
           </a:p>
@@ -13058,7 +13060,7 @@
             <a:fld id="{A90DC808-9B4F-47F6-816E-B4DD926C39FF}" type="datetime1">
               <a:rPr lang="en-GB" noProof="0" smtClean="0"/>
               <a:pPr/>
-              <a:t>20/03/2025</a:t>
+              <a:t>21/03/2025</a:t>
             </a:fld>
             <a:endParaRPr lang="en-GB" noProof="0"/>
           </a:p>
@@ -13702,22 +13704,25 @@
               </a:lnSpc>
             </a:pPr>
             <a:r>
-              <a:rPr lang="en-GB" sz="2400" dirty="0"/>
-              <a:t>Examiners: Veli-Pekka </a:t>
-            </a:r>
-            <a:r>
-              <a:rPr lang="en-GB" sz="2400" dirty="0" err="1"/>
+              <a:rPr lang="en-GB" sz="2000" dirty="0"/>
+              <a:t>Mentors: Veli-Pekka </a:t>
+            </a:r>
+            <a:r>
+              <a:rPr lang="en-GB" sz="2000" dirty="0" err="1"/>
               <a:t>Pyrhönen</a:t>
             </a:r>
             <a:r>
-              <a:rPr lang="en-GB" sz="2400" dirty="0"/>
-              <a:t> and Matti </a:t>
-            </a:r>
-            <a:r>
-              <a:rPr lang="en-GB" sz="2400" dirty="0" err="1"/>
-              <a:t>Vilkko</a:t>
-            </a:r>
-            <a:endParaRPr lang="en-GB" sz="2400" dirty="0"/>
+              <a:rPr lang="en-GB" sz="2000" dirty="0"/>
+              <a:t> and Ari-Pekka Kinnunen (</a:t>
+            </a:r>
+            <a:r>
+              <a:rPr lang="en-GB" sz="2000" dirty="0" err="1"/>
+              <a:t>Agco</a:t>
+            </a:r>
+            <a:r>
+              <a:rPr lang="en-GB" sz="2000" dirty="0"/>
+              <a:t> Power)</a:t>
+            </a:r>
           </a:p>
         </p:txBody>
       </p:sp>
@@ -13773,7 +13778,7 @@
             <a:fld id="{A90DC808-9B4F-47F6-816E-B4DD926C39FF}" type="datetime1">
               <a:rPr lang="en-GB" noProof="0" smtClean="0"/>
               <a:pPr/>
-              <a:t>20/03/2025</a:t>
+              <a:t>21/03/2025</a:t>
             </a:fld>
             <a:endParaRPr lang="en-GB" noProof="0"/>
           </a:p>
@@ -13910,7 +13915,7 @@
         </p:spPr>
         <p:txBody>
           <a:bodyPr>
-            <a:normAutofit fontScale="92500" lnSpcReduction="10000"/>
+            <a:normAutofit lnSpcReduction="10000"/>
           </a:bodyPr>
           <a:lstStyle/>
           <a:p>
@@ -13944,9 +13949,12 @@
           <a:p>
             <a:r>
               <a:rPr lang="en-GB"/>
-              <a:t>The “state” in the title is the amount of soot and ash in the DPF</a:t>
-            </a:r>
-            <a:endParaRPr lang="en-GB" dirty="0"/>
+              <a:t>The state is </a:t>
+            </a:r>
+            <a:r>
+              <a:rPr lang="en-GB" dirty="0"/>
+              <a:t>the amount of soot and ash in the DPF</a:t>
+            </a:r>
           </a:p>
         </p:txBody>
       </p:sp>
@@ -14020,7 +14028,7 @@
                   <a:spcPts val="600"/>
                 </a:spcAft>
               </a:pPr>
-              <a:t>20/03/2025</a:t>
+              <a:t>21/03/2025</a:t>
             </a:fld>
             <a:endParaRPr lang="en-GB" noProof="0"/>
           </a:p>
@@ -14158,7 +14166,7 @@
               <a:pPr algn="ctr"/>
               <a:r>
                 <a:rPr lang="en-FI" sz="2000" dirty="0"/>
-                <a:t>A schematic of a wall-flow DPF. The walls capture &gt;90% of the particulate matter when the exhaust gas flows through them.</a:t>
+                <a:t>A schematic of a wall-flow DPF. The walls capture &gt;90% of the particulate matter when the exhaust gas (red arrows) flows through them.</a:t>
               </a:r>
             </a:p>
           </p:txBody>
@@ -14364,7 +14372,7 @@
                   <a:spcPts val="600"/>
                 </a:spcAft>
               </a:pPr>
-              <a:t>20/03/2025</a:t>
+              <a:t>21/03/2025</a:t>
             </a:fld>
             <a:endParaRPr lang="en-GB" noProof="0"/>
           </a:p>
@@ -14505,9 +14513,10 @@
               <a:buAutoNum type="arabicPeriod"/>
             </a:pPr>
             <a:r>
-              <a:rPr lang="fi-FI" sz="2800"/>
+              <a:rPr lang="fi-FI" sz="2400" dirty="0" err="1"/>
               <a:t>Introduction</a:t>
             </a:r>
+            <a:endParaRPr lang="fi-FI" sz="2400" dirty="0"/>
           </a:p>
           <a:p>
             <a:pPr marL="514350" indent="-514350">
@@ -14515,9 +14524,26 @@
               <a:buAutoNum type="arabicPeriod"/>
             </a:pPr>
             <a:r>
-              <a:rPr lang="fi-FI" sz="2800"/>
-              <a:t>The Diesel Particulate Filter</a:t>
-            </a:r>
+              <a:rPr lang="fi-FI" sz="2400" dirty="0" err="1"/>
+              <a:t>The</a:t>
+            </a:r>
+            <a:r>
+              <a:rPr lang="fi-FI" sz="2400" dirty="0"/>
+              <a:t> Diesel </a:t>
+            </a:r>
+            <a:r>
+              <a:rPr lang="fi-FI" sz="2400" dirty="0" err="1"/>
+              <a:t>Particulate</a:t>
+            </a:r>
+            <a:r>
+              <a:rPr lang="fi-FI" sz="2400" dirty="0"/>
+              <a:t> </a:t>
+            </a:r>
+            <a:r>
+              <a:rPr lang="fi-FI" sz="2400" dirty="0" err="1"/>
+              <a:t>Filter</a:t>
+            </a:r>
+            <a:endParaRPr lang="fi-FI" sz="2400" dirty="0"/>
           </a:p>
           <a:p>
             <a:pPr marL="822325" lvl="1" indent="-514350">
@@ -14525,8 +14551,36 @@
               <a:buAutoNum type="arabicPeriod"/>
             </a:pPr>
             <a:r>
-              <a:rPr lang="fi-FI" sz="2400"/>
-              <a:t>The Physical Structure of the System</a:t>
+              <a:rPr lang="fi-FI" sz="2000" dirty="0" err="1"/>
+              <a:t>The</a:t>
+            </a:r>
+            <a:r>
+              <a:rPr lang="fi-FI" sz="2000" dirty="0"/>
+              <a:t> </a:t>
+            </a:r>
+            <a:r>
+              <a:rPr lang="fi-FI" sz="2000" dirty="0" err="1"/>
+              <a:t>Physical</a:t>
+            </a:r>
+            <a:r>
+              <a:rPr lang="fi-FI" sz="2000" dirty="0"/>
+              <a:t> </a:t>
+            </a:r>
+            <a:r>
+              <a:rPr lang="fi-FI" sz="2000" dirty="0" err="1"/>
+              <a:t>Structure</a:t>
+            </a:r>
+            <a:r>
+              <a:rPr lang="fi-FI" sz="2000" dirty="0"/>
+              <a:t> of </a:t>
+            </a:r>
+            <a:r>
+              <a:rPr lang="fi-FI" sz="2000" dirty="0" err="1"/>
+              <a:t>the</a:t>
+            </a:r>
+            <a:r>
+              <a:rPr lang="fi-FI" sz="2000" dirty="0"/>
+              <a:t> System</a:t>
             </a:r>
           </a:p>
           <a:p>
@@ -14535,9 +14589,10 @@
               <a:buAutoNum type="arabicPeriod"/>
             </a:pPr>
             <a:r>
-              <a:rPr lang="fi-FI" sz="2400"/>
+              <a:rPr lang="fi-FI" sz="2000" dirty="0" err="1"/>
               <a:t>Regeneration</a:t>
             </a:r>
+            <a:endParaRPr lang="fi-FI" sz="2000" dirty="0"/>
           </a:p>
           <a:p>
             <a:pPr marL="822325" lvl="1" indent="-514350">
@@ -14545,7 +14600,7 @@
               <a:buAutoNum type="arabicPeriod"/>
             </a:pPr>
             <a:r>
-              <a:rPr lang="en-US" sz="2400"/>
+              <a:rPr lang="en-US" sz="2000" dirty="0"/>
               <a:t>Modeling the Pressure Drop</a:t>
             </a:r>
           </a:p>
@@ -14555,7 +14610,7 @@
               <a:buAutoNum type="arabicPeriod"/>
             </a:pPr>
             <a:r>
-              <a:rPr lang="en-US" sz="2800"/>
+              <a:rPr lang="en-US" sz="2400" dirty="0"/>
               <a:t>State-estimation</a:t>
             </a:r>
           </a:p>
@@ -14565,7 +14620,7 @@
               <a:buAutoNum type="arabicPeriod"/>
             </a:pPr>
             <a:r>
-              <a:rPr lang="en-US" sz="2400"/>
+              <a:rPr lang="en-US" sz="2000" dirty="0"/>
               <a:t>Kalman-filter</a:t>
             </a:r>
           </a:p>
@@ -14575,7 +14630,7 @@
               <a:buAutoNum type="arabicPeriod"/>
             </a:pPr>
             <a:r>
-              <a:rPr lang="en-US" sz="2800"/>
+              <a:rPr lang="en-US" sz="2400" dirty="0"/>
               <a:t>Estimating the State of a DPF</a:t>
             </a:r>
           </a:p>
@@ -14585,7 +14640,7 @@
               <a:buAutoNum type="arabicPeriod"/>
             </a:pPr>
             <a:r>
-              <a:rPr lang="en-US" sz="2800"/>
+              <a:rPr lang="en-US" sz="2400" dirty="0"/>
               <a:t>Results</a:t>
             </a:r>
           </a:p>
@@ -14595,8 +14650,17 @@
               <a:buAutoNum type="arabicPeriod"/>
             </a:pPr>
             <a:r>
-              <a:rPr lang="en-US" sz="2800"/>
+              <a:rPr lang="en-US" sz="2400" dirty="0"/>
               <a:t>Conclusions</a:t>
+            </a:r>
+          </a:p>
+          <a:p>
+            <a:pPr marL="0" indent="0">
+              <a:buNone/>
+            </a:pPr>
+            <a:r>
+              <a:rPr lang="en-US" sz="2400" dirty="0"/>
+              <a:t>References</a:t>
             </a:r>
           </a:p>
         </p:txBody>
@@ -14650,7 +14714,7 @@
             <a:fld id="{A90DC808-9B4F-47F6-816E-B4DD926C39FF}" type="datetime1">
               <a:rPr lang="en-GB" noProof="0" smtClean="0"/>
               <a:pPr/>
-              <a:t>20/03/2025</a:t>
+              <a:t>21/03/2025</a:t>
             </a:fld>
             <a:endParaRPr lang="en-GB" noProof="0"/>
           </a:p>
@@ -14694,6 +14758,365 @@
     <p:extLst>
       <p:ext uri="{BB962C8B-B14F-4D97-AF65-F5344CB8AC3E}">
         <p14:creationId xmlns:p14="http://schemas.microsoft.com/office/powerpoint/2010/main" val="1319923167"/>
+      </p:ext>
+    </p:extLst>
+  </p:cSld>
+  <p:clrMapOvr>
+    <a:masterClrMapping/>
+  </p:clrMapOvr>
+</p:sld>
+</file>
+
+<file path=ppt/slides/slide5.xml><?xml version="1.0" encoding="utf-8"?>
+<p:sld xmlns:a="http://schemas.openxmlformats.org/drawingml/2006/main" xmlns:r="http://schemas.openxmlformats.org/officeDocument/2006/relationships" xmlns:p="http://schemas.openxmlformats.org/presentationml/2006/main">
+  <p:cSld>
+    <p:spTree>
+      <p:nvGrpSpPr>
+        <p:cNvPr id="1" name=""/>
+        <p:cNvGrpSpPr/>
+        <p:nvPr/>
+      </p:nvGrpSpPr>
+      <p:grpSpPr>
+        <a:xfrm>
+          <a:off x="0" y="0"/>
+          <a:ext cx="0" cy="0"/>
+          <a:chOff x="0" y="0"/>
+          <a:chExt cx="0" cy="0"/>
+        </a:xfrm>
+      </p:grpSpPr>
+      <p:sp>
+        <p:nvSpPr>
+          <p:cNvPr id="2" name="Title 1">
+            <a:extLst>
+              <a:ext uri="{FF2B5EF4-FFF2-40B4-BE49-F238E27FC236}">
+                <a16:creationId xmlns:a16="http://schemas.microsoft.com/office/drawing/2014/main" id="{FE636957-8C88-1107-E7CA-85219B4658FD}"/>
+              </a:ext>
+            </a:extLst>
+          </p:cNvPr>
+          <p:cNvSpPr>
+            <a:spLocks noGrp="1"/>
+          </p:cNvSpPr>
+          <p:nvPr>
+            <p:ph type="title"/>
+          </p:nvPr>
+        </p:nvSpPr>
+        <p:spPr/>
+        <p:txBody>
+          <a:bodyPr/>
+          <a:lstStyle/>
+          <a:p>
+            <a:r>
+              <a:rPr lang="en-FI" dirty="0"/>
+              <a:t>Schedule</a:t>
+            </a:r>
+          </a:p>
+        </p:txBody>
+      </p:sp>
+      <p:sp>
+        <p:nvSpPr>
+          <p:cNvPr id="3" name="Content Placeholder 2">
+            <a:extLst>
+              <a:ext uri="{FF2B5EF4-FFF2-40B4-BE49-F238E27FC236}">
+                <a16:creationId xmlns:a16="http://schemas.microsoft.com/office/drawing/2014/main" id="{AFF70763-460A-E146-BFB2-5404F18ACDA5}"/>
+              </a:ext>
+            </a:extLst>
+          </p:cNvPr>
+          <p:cNvSpPr>
+            <a:spLocks noGrp="1"/>
+          </p:cNvSpPr>
+          <p:nvPr>
+            <p:ph idx="1"/>
+          </p:nvPr>
+        </p:nvSpPr>
+        <p:spPr/>
+        <p:txBody>
+          <a:bodyPr/>
+          <a:lstStyle/>
+          <a:p>
+            <a:r>
+              <a:rPr lang="en-FI" dirty="0"/>
+              <a:t>The work began in Janary.</a:t>
+            </a:r>
+          </a:p>
+          <a:p>
+            <a:r>
+              <a:rPr lang="en-FI" dirty="0"/>
+              <a:t>The goal is to get the results by July.</a:t>
+            </a:r>
+          </a:p>
+          <a:p>
+            <a:r>
+              <a:rPr lang="en-FI" dirty="0"/>
+              <a:t>Thesis ready in August.</a:t>
+            </a:r>
+          </a:p>
+        </p:txBody>
+      </p:sp>
+      <p:sp>
+        <p:nvSpPr>
+          <p:cNvPr id="4" name="Footer Placeholder 3">
+            <a:extLst>
+              <a:ext uri="{FF2B5EF4-FFF2-40B4-BE49-F238E27FC236}">
+                <a16:creationId xmlns:a16="http://schemas.microsoft.com/office/drawing/2014/main" id="{0D15B182-FFB1-AAE1-D30B-46703C42F1C5}"/>
+              </a:ext>
+            </a:extLst>
+          </p:cNvPr>
+          <p:cNvSpPr>
+            <a:spLocks noGrp="1"/>
+          </p:cNvSpPr>
+          <p:nvPr>
+            <p:ph type="ftr" sz="quarter" idx="3"/>
+          </p:nvPr>
+        </p:nvSpPr>
+        <p:spPr/>
+        <p:txBody>
+          <a:bodyPr/>
+          <a:lstStyle/>
+          <a:p>
+            <a:endParaRPr lang="en-GB" noProof="0"/>
+          </a:p>
+        </p:txBody>
+      </p:sp>
+      <p:sp>
+        <p:nvSpPr>
+          <p:cNvPr id="5" name="Date Placeholder 4">
+            <a:extLst>
+              <a:ext uri="{FF2B5EF4-FFF2-40B4-BE49-F238E27FC236}">
+                <a16:creationId xmlns:a16="http://schemas.microsoft.com/office/drawing/2014/main" id="{70884B59-9B9E-56C8-68AF-029CF1CCB7AE}"/>
+              </a:ext>
+            </a:extLst>
+          </p:cNvPr>
+          <p:cNvSpPr>
+            <a:spLocks noGrp="1"/>
+          </p:cNvSpPr>
+          <p:nvPr>
+            <p:ph type="dt" sz="half" idx="2"/>
+          </p:nvPr>
+        </p:nvSpPr>
+        <p:spPr/>
+        <p:txBody>
+          <a:bodyPr/>
+          <a:lstStyle/>
+          <a:p>
+            <a:fld id="{A90DC808-9B4F-47F6-816E-B4DD926C39FF}" type="datetime1">
+              <a:rPr lang="en-GB" noProof="0" smtClean="0"/>
+              <a:pPr/>
+              <a:t>21/03/2025</a:t>
+            </a:fld>
+            <a:endParaRPr lang="en-GB" noProof="0"/>
+          </a:p>
+        </p:txBody>
+      </p:sp>
+      <p:sp>
+        <p:nvSpPr>
+          <p:cNvPr id="6" name="Slide Number Placeholder 5">
+            <a:extLst>
+              <a:ext uri="{FF2B5EF4-FFF2-40B4-BE49-F238E27FC236}">
+                <a16:creationId xmlns:a16="http://schemas.microsoft.com/office/drawing/2014/main" id="{4A1D3086-8802-C585-D768-C3E4028067E6}"/>
+              </a:ext>
+            </a:extLst>
+          </p:cNvPr>
+          <p:cNvSpPr>
+            <a:spLocks noGrp="1"/>
+          </p:cNvSpPr>
+          <p:nvPr>
+            <p:ph type="sldNum" sz="quarter" idx="4"/>
+          </p:nvPr>
+        </p:nvSpPr>
+        <p:spPr/>
+        <p:txBody>
+          <a:bodyPr/>
+          <a:lstStyle/>
+          <a:p>
+            <a:r>
+              <a:rPr lang="en-GB" noProof="0"/>
+              <a:t>|  </a:t>
+            </a:r>
+            <a:fld id="{CDC8994D-33BE-6F4B-918B-78B2D731EB1C}" type="slidenum">
+              <a:rPr lang="en-GB" noProof="0" smtClean="0"/>
+              <a:pPr/>
+              <a:t>5</a:t>
+            </a:fld>
+            <a:endParaRPr lang="en-GB" noProof="0"/>
+          </a:p>
+        </p:txBody>
+      </p:sp>
+    </p:spTree>
+    <p:extLst>
+      <p:ext uri="{BB962C8B-B14F-4D97-AF65-F5344CB8AC3E}">
+        <p14:creationId xmlns:p14="http://schemas.microsoft.com/office/powerpoint/2010/main" val="1524661351"/>
+      </p:ext>
+    </p:extLst>
+  </p:cSld>
+  <p:clrMapOvr>
+    <a:masterClrMapping/>
+  </p:clrMapOvr>
+</p:sld>
+</file>
+
+<file path=ppt/slides/slide6.xml><?xml version="1.0" encoding="utf-8"?>
+<p:sld xmlns:a="http://schemas.openxmlformats.org/drawingml/2006/main" xmlns:r="http://schemas.openxmlformats.org/officeDocument/2006/relationships" xmlns:p="http://schemas.openxmlformats.org/presentationml/2006/main">
+  <p:cSld>
+    <p:spTree>
+      <p:nvGrpSpPr>
+        <p:cNvPr id="1" name=""/>
+        <p:cNvGrpSpPr/>
+        <p:nvPr/>
+      </p:nvGrpSpPr>
+      <p:grpSpPr>
+        <a:xfrm>
+          <a:off x="0" y="0"/>
+          <a:ext cx="0" cy="0"/>
+          <a:chOff x="0" y="0"/>
+          <a:chExt cx="0" cy="0"/>
+        </a:xfrm>
+      </p:grpSpPr>
+      <p:sp>
+        <p:nvSpPr>
+          <p:cNvPr id="2" name="Title 1">
+            <a:extLst>
+              <a:ext uri="{FF2B5EF4-FFF2-40B4-BE49-F238E27FC236}">
+                <a16:creationId xmlns:a16="http://schemas.microsoft.com/office/drawing/2014/main" id="{0D628FAF-CE63-603E-034F-00019A579751}"/>
+              </a:ext>
+            </a:extLst>
+          </p:cNvPr>
+          <p:cNvSpPr>
+            <a:spLocks noGrp="1"/>
+          </p:cNvSpPr>
+          <p:nvPr>
+            <p:ph type="ctrTitle"/>
+          </p:nvPr>
+        </p:nvSpPr>
+        <p:spPr/>
+        <p:txBody>
+          <a:bodyPr/>
+          <a:lstStyle/>
+          <a:p>
+            <a:r>
+              <a:rPr lang="en-FI" dirty="0"/>
+              <a:t>Thank you!</a:t>
+            </a:r>
+          </a:p>
+        </p:txBody>
+      </p:sp>
+      <p:sp>
+        <p:nvSpPr>
+          <p:cNvPr id="3" name="Subtitle 2">
+            <a:extLst>
+              <a:ext uri="{FF2B5EF4-FFF2-40B4-BE49-F238E27FC236}">
+                <a16:creationId xmlns:a16="http://schemas.microsoft.com/office/drawing/2014/main" id="{E473A329-5ECA-810D-9651-A4BFE0B24011}"/>
+              </a:ext>
+            </a:extLst>
+          </p:cNvPr>
+          <p:cNvSpPr>
+            <a:spLocks noGrp="1"/>
+          </p:cNvSpPr>
+          <p:nvPr>
+            <p:ph type="subTitle" idx="1"/>
+          </p:nvPr>
+        </p:nvSpPr>
+        <p:spPr/>
+        <p:txBody>
+          <a:bodyPr/>
+          <a:lstStyle/>
+          <a:p>
+            <a:endParaRPr lang="en-FI"/>
+          </a:p>
+        </p:txBody>
+      </p:sp>
+      <p:sp>
+        <p:nvSpPr>
+          <p:cNvPr id="4" name="Footer Placeholder 3">
+            <a:extLst>
+              <a:ext uri="{FF2B5EF4-FFF2-40B4-BE49-F238E27FC236}">
+                <a16:creationId xmlns:a16="http://schemas.microsoft.com/office/drawing/2014/main" id="{A334A371-A192-55D5-400D-1F2486055CFA}"/>
+              </a:ext>
+            </a:extLst>
+          </p:cNvPr>
+          <p:cNvSpPr>
+            <a:spLocks noGrp="1"/>
+          </p:cNvSpPr>
+          <p:nvPr>
+            <p:ph type="ftr" sz="quarter" idx="3"/>
+          </p:nvPr>
+        </p:nvSpPr>
+        <p:spPr/>
+        <p:txBody>
+          <a:bodyPr/>
+          <a:lstStyle/>
+          <a:p>
+            <a:endParaRPr lang="en-GB" noProof="0"/>
+          </a:p>
+        </p:txBody>
+      </p:sp>
+      <p:sp>
+        <p:nvSpPr>
+          <p:cNvPr id="5" name="Date Placeholder 4">
+            <a:extLst>
+              <a:ext uri="{FF2B5EF4-FFF2-40B4-BE49-F238E27FC236}">
+                <a16:creationId xmlns:a16="http://schemas.microsoft.com/office/drawing/2014/main" id="{A9A57134-8325-4F19-5682-622C589ACB9A}"/>
+              </a:ext>
+            </a:extLst>
+          </p:cNvPr>
+          <p:cNvSpPr>
+            <a:spLocks noGrp="1"/>
+          </p:cNvSpPr>
+          <p:nvPr>
+            <p:ph type="dt" sz="half" idx="2"/>
+          </p:nvPr>
+        </p:nvSpPr>
+        <p:spPr/>
+        <p:txBody>
+          <a:bodyPr/>
+          <a:lstStyle/>
+          <a:p>
+            <a:fld id="{A90DC808-9B4F-47F6-816E-B4DD926C39FF}" type="datetime1">
+              <a:rPr lang="en-GB" noProof="0" smtClean="0"/>
+              <a:pPr/>
+              <a:t>21/03/2025</a:t>
+            </a:fld>
+            <a:endParaRPr lang="en-GB" noProof="0"/>
+          </a:p>
+        </p:txBody>
+      </p:sp>
+      <p:sp>
+        <p:nvSpPr>
+          <p:cNvPr id="6" name="Slide Number Placeholder 5">
+            <a:extLst>
+              <a:ext uri="{FF2B5EF4-FFF2-40B4-BE49-F238E27FC236}">
+                <a16:creationId xmlns:a16="http://schemas.microsoft.com/office/drawing/2014/main" id="{4BBDE78C-181D-4793-C917-A745377ABB7B}"/>
+              </a:ext>
+            </a:extLst>
+          </p:cNvPr>
+          <p:cNvSpPr>
+            <a:spLocks noGrp="1"/>
+          </p:cNvSpPr>
+          <p:nvPr>
+            <p:ph type="sldNum" sz="quarter" idx="4"/>
+          </p:nvPr>
+        </p:nvSpPr>
+        <p:spPr/>
+        <p:txBody>
+          <a:bodyPr/>
+          <a:lstStyle/>
+          <a:p>
+            <a:r>
+              <a:rPr lang="en-GB" noProof="0"/>
+              <a:t>|  </a:t>
+            </a:r>
+            <a:fld id="{CDC8994D-33BE-6F4B-918B-78B2D731EB1C}" type="slidenum">
+              <a:rPr lang="en-GB" noProof="0" smtClean="0"/>
+              <a:pPr/>
+              <a:t>6</a:t>
+            </a:fld>
+            <a:endParaRPr lang="en-GB" noProof="0"/>
+          </a:p>
+        </p:txBody>
+      </p:sp>
+    </p:spTree>
+    <p:extLst>
+      <p:ext uri="{BB962C8B-B14F-4D97-AF65-F5344CB8AC3E}">
+        <p14:creationId xmlns:p14="http://schemas.microsoft.com/office/powerpoint/2010/main" val="2471097726"/>
       </p:ext>
     </p:extLst>
   </p:cSld>
